--- a/Fájlok/Bemutató.pptx
+++ b/Fájlok/Bemutató.pptx
@@ -120,6 +120,11 @@
       </a:defRPr>
     </a:lvl9pPr>
   </p:defaultTextStyle>
+  <p:extLst>
+    <p:ext uri="{EFAFB233-063F-42B5-8137-9DF3F51BA10A}">
+      <p15:sldGuideLst xmlns:p15="http://schemas.microsoft.com/office/powerpoint/2012/main"/>
+    </p:ext>
+  </p:extLst>
 </p:presentation>
 </file>
 
@@ -3876,17 +3881,17 @@
         <p:spPr>
           <a:xfrm>
             <a:off x="1915385" y="1305580"/>
-            <a:ext cx="8361229" cy="2831603"/>
+            <a:ext cx="8361229" cy="1632353"/>
           </a:xfrm>
         </p:spPr>
         <p:txBody>
           <a:bodyPr>
-            <a:normAutofit fontScale="90000"/>
+            <a:normAutofit/>
           </a:bodyPr>
           <a:lstStyle/>
           <a:p>
             <a:r>
-              <a:rPr lang="hu-HU" dirty="0">
+              <a:rPr lang="hu-HU" sz="5400" dirty="0">
                 <a:solidFill>
                   <a:srgbClr val="582C00"/>
                 </a:solidFill>
@@ -3912,7 +3917,7 @@
         </p:nvSpPr>
         <p:spPr>
           <a:xfrm>
-            <a:off x="1915385" y="5114963"/>
+            <a:off x="1432785" y="4794124"/>
             <a:ext cx="6154616" cy="523220"/>
           </a:xfrm>
           <a:prstGeom prst="rect">
@@ -3932,6 +3937,85 @@
                 <a:cs typeface="Times New Roman" panose="02020603050405020304" pitchFamily="18" charset="0"/>
               </a:rPr>
               <a:t>Készítette: Kovács Edit és Tóthpál István</a:t>
+            </a:r>
+          </a:p>
+        </p:txBody>
+      </p:sp>
+      <p:pic>
+        <p:nvPicPr>
+          <p:cNvPr id="5" name="Kép 4">
+            <a:extLst>
+              <a:ext uri="{FF2B5EF4-FFF2-40B4-BE49-F238E27FC236}">
+                <a16:creationId xmlns:a16="http://schemas.microsoft.com/office/drawing/2014/main" id="{7AF31665-F8D6-4A71-B7CD-8B3838903AC8}"/>
+              </a:ext>
+            </a:extLst>
+          </p:cNvPr>
+          <p:cNvPicPr/>
+          <p:nvPr/>
+        </p:nvPicPr>
+        <p:blipFill>
+          <a:blip r:embed="rId2">
+            <a:duotone>
+              <a:schemeClr val="accent2">
+                <a:shade val="45000"/>
+                <a:satMod val="135000"/>
+              </a:schemeClr>
+              <a:prstClr val="white"/>
+            </a:duotone>
+            <a:extLst>
+              <a:ext uri="{28A0092B-C50C-407E-A947-70E740481C1C}">
+                <a14:useLocalDpi xmlns:a14="http://schemas.microsoft.com/office/drawing/2010/main" val="0"/>
+              </a:ext>
+            </a:extLst>
+          </a:blip>
+          <a:stretch>
+            <a:fillRect/>
+          </a:stretch>
+        </p:blipFill>
+        <p:spPr>
+          <a:xfrm>
+            <a:off x="9428102" y="4140200"/>
+            <a:ext cx="1697023" cy="1412220"/>
+          </a:xfrm>
+          <a:prstGeom prst="rect">
+            <a:avLst/>
+          </a:prstGeom>
+        </p:spPr>
+      </p:pic>
+      <p:sp>
+        <p:nvSpPr>
+          <p:cNvPr id="6" name="Szövegdoboz 5">
+            <a:extLst>
+              <a:ext uri="{FF2B5EF4-FFF2-40B4-BE49-F238E27FC236}">
+                <a16:creationId xmlns:a16="http://schemas.microsoft.com/office/drawing/2014/main" id="{19E1F8BE-8BEF-4EF9-8C23-31F4824FDC3B}"/>
+              </a:ext>
+            </a:extLst>
+          </p:cNvPr>
+          <p:cNvSpPr txBox="1"/>
+          <p:nvPr/>
+        </p:nvSpPr>
+        <p:spPr>
+          <a:xfrm>
+            <a:off x="4318958" y="3167390"/>
+            <a:ext cx="3554082" cy="523220"/>
+          </a:xfrm>
+          <a:prstGeom prst="rect">
+            <a:avLst/>
+          </a:prstGeom>
+          <a:noFill/>
+        </p:spPr>
+        <p:txBody>
+          <a:bodyPr wrap="square" rtlCol="0">
+            <a:spAutoFit/>
+          </a:bodyPr>
+          <a:lstStyle/>
+          <a:p>
+            <a:r>
+              <a:rPr lang="hu-HU" sz="2800" dirty="0">
+                <a:latin typeface="Times New Roman" panose="02020603050405020304" pitchFamily="18" charset="0"/>
+                <a:cs typeface="Times New Roman" panose="02020603050405020304" pitchFamily="18" charset="0"/>
+              </a:rPr>
+              <a:t>Vizsgaremek bemutató</a:t>
             </a:r>
           </a:p>
         </p:txBody>
@@ -3946,11 +4030,11 @@
   <p:clrMapOvr>
     <a:masterClrMapping/>
   </p:clrMapOvr>
-  <mc:AlternateContent xmlns:mc="http://schemas.openxmlformats.org/markup-compatibility/2006">
-    <mc:Choice xmlns:p14="http://schemas.microsoft.com/office/powerpoint/2010/main" Requires="p14">
+  <mc:AlternateContent xmlns:mc="http://schemas.openxmlformats.org/markup-compatibility/2006" xmlns:p14="http://schemas.microsoft.com/office/powerpoint/2010/main">
+    <mc:Choice Requires="p14">
       <p:transition spd="slow" p14:dur="2000" advClick="0"/>
     </mc:Choice>
-    <mc:Fallback>
+    <mc:Fallback xmlns="">
       <p:transition spd="slow" advClick="0"/>
     </mc:Fallback>
   </mc:AlternateContent>
@@ -3990,7 +4074,12 @@
             <p:ph type="title"/>
           </p:nvPr>
         </p:nvSpPr>
-        <p:spPr/>
+        <p:spPr>
+          <a:xfrm>
+            <a:off x="1371600" y="685800"/>
+            <a:ext cx="9601200" cy="745067"/>
+          </a:xfrm>
+        </p:spPr>
         <p:txBody>
           <a:bodyPr/>
           <a:lstStyle/>
@@ -4000,41 +4089,467 @@
                 <a:solidFill>
                   <a:schemeClr val="tx1"/>
                 </a:solidFill>
+                <a:latin typeface="Times New Roman" panose="02020603050405020304" pitchFamily="18" charset="0"/>
+                <a:cs typeface="Times New Roman" panose="02020603050405020304" pitchFamily="18" charset="0"/>
               </a:rPr>
               <a:t>Munkamegosztás</a:t>
             </a:r>
           </a:p>
         </p:txBody>
       </p:sp>
-      <p:sp>
-        <p:nvSpPr>
-          <p:cNvPr id="3" name="Tartalom helye 2">
+      <p:graphicFrame>
+        <p:nvGraphicFramePr>
+          <p:cNvPr id="4" name="Táblázat 4">
             <a:extLst>
               <a:ext uri="{FF2B5EF4-FFF2-40B4-BE49-F238E27FC236}">
-                <a16:creationId xmlns:a16="http://schemas.microsoft.com/office/drawing/2014/main" id="{80692D13-F04E-4F4F-A667-DFE0B3C725A5}"/>
+                <a16:creationId xmlns:a16="http://schemas.microsoft.com/office/drawing/2014/main" id="{F3ADCF9F-C003-4389-A81F-096209D55C53}"/>
               </a:ext>
             </a:extLst>
           </p:cNvPr>
-          <p:cNvSpPr>
-            <a:spLocks noGrp="1"/>
-          </p:cNvSpPr>
+          <p:cNvGraphicFramePr>
+            <a:graphicFrameLocks noGrp="1"/>
+          </p:cNvGraphicFramePr>
           <p:nvPr>
             <p:ph idx="1"/>
-          </p:nvPr>
-        </p:nvSpPr>
-        <p:spPr/>
-        <p:txBody>
-          <a:bodyPr/>
-          <a:lstStyle/>
-          <a:p>
-            <a:endParaRPr lang="hu-HU" dirty="0">
-              <a:solidFill>
-                <a:schemeClr val="tx1"/>
-              </a:solidFill>
-            </a:endParaRPr>
-          </a:p>
-        </p:txBody>
-      </p:sp>
+            <p:extLst>
+              <p:ext uri="{D42A27DB-BD31-4B8C-83A1-F6EECF244321}">
+                <p14:modId xmlns:p14="http://schemas.microsoft.com/office/powerpoint/2010/main" val="4053310152"/>
+              </p:ext>
+            </p:extLst>
+          </p:nvPr>
+        </p:nvGraphicFramePr>
+        <p:xfrm>
+          <a:off x="1371600" y="2286000"/>
+          <a:ext cx="9601200" cy="2834640"/>
+        </p:xfrm>
+        <a:graphic>
+          <a:graphicData uri="http://schemas.openxmlformats.org/drawingml/2006/table">
+            <a:tbl>
+              <a:tblPr firstRow="1" bandRow="1">
+                <a:tableStyleId>{2D5ABB26-0587-4C30-8999-92F81FD0307C}</a:tableStyleId>
+              </a:tblPr>
+              <a:tblGrid>
+                <a:gridCol w="4800600">
+                  <a:extLst>
+                    <a:ext uri="{9D8B030D-6E8A-4147-A177-3AD203B41FA5}">
+                      <a16:colId xmlns:a16="http://schemas.microsoft.com/office/drawing/2014/main" val="1522077895"/>
+                    </a:ext>
+                  </a:extLst>
+                </a:gridCol>
+                <a:gridCol w="4800600">
+                  <a:extLst>
+                    <a:ext uri="{9D8B030D-6E8A-4147-A177-3AD203B41FA5}">
+                      <a16:colId xmlns:a16="http://schemas.microsoft.com/office/drawing/2014/main" val="902619467"/>
+                    </a:ext>
+                  </a:extLst>
+                </a:gridCol>
+              </a:tblGrid>
+              <a:tr h="370840">
+                <a:tc>
+                  <a:txBody>
+                    <a:bodyPr/>
+                    <a:lstStyle/>
+                    <a:p>
+                      <a:r>
+                        <a:rPr lang="hu-HU" dirty="0">
+                          <a:latin typeface="Times New Roman" panose="02020603050405020304" pitchFamily="18" charset="0"/>
+                          <a:cs typeface="Times New Roman" panose="02020603050405020304" pitchFamily="18" charset="0"/>
+                        </a:rPr>
+                        <a:t>Kovács Edit:</a:t>
+                      </a:r>
+                    </a:p>
+                    <a:p>
+                      <a:pPr marL="285750" indent="-285750">
+                        <a:buFont typeface="Wingdings" panose="05000000000000000000" pitchFamily="2" charset="2"/>
+                        <a:buChar char="§"/>
+                      </a:pPr>
+                      <a:r>
+                        <a:rPr lang="hu-HU" dirty="0">
+                          <a:solidFill>
+                            <a:schemeClr val="tx1"/>
+                          </a:solidFill>
+                          <a:latin typeface="Times New Roman" panose="02020603050405020304" pitchFamily="18" charset="0"/>
+                          <a:cs typeface="Times New Roman" panose="02020603050405020304" pitchFamily="18" charset="0"/>
+                        </a:rPr>
+                        <a:t>Frontend és backend:</a:t>
+                      </a:r>
+                    </a:p>
+                    <a:p>
+                      <a:pPr marL="742950" lvl="1" indent="-285750">
+                        <a:buFont typeface="Arial" panose="020B0604020202020204" pitchFamily="34" charset="0"/>
+                        <a:buChar char="•"/>
+                      </a:pPr>
+                      <a:r>
+                        <a:rPr lang="hu-HU" i="0" dirty="0">
+                          <a:solidFill>
+                            <a:schemeClr val="tx1"/>
+                          </a:solidFill>
+                          <a:latin typeface="Times New Roman" panose="02020603050405020304" pitchFamily="18" charset="0"/>
+                          <a:cs typeface="Times New Roman" panose="02020603050405020304" pitchFamily="18" charset="0"/>
+                        </a:rPr>
+                        <a:t>Blog, poszt feltöltése, kommentelés</a:t>
+                      </a:r>
+                    </a:p>
+                    <a:p>
+                      <a:pPr marL="742950" lvl="1" indent="-285750">
+                        <a:buFont typeface="Arial" panose="020B0604020202020204" pitchFamily="34" charset="0"/>
+                        <a:buChar char="•"/>
+                      </a:pPr>
+                      <a:r>
+                        <a:rPr lang="hu-HU" i="0" dirty="0">
+                          <a:solidFill>
+                            <a:schemeClr val="tx1"/>
+                          </a:solidFill>
+                          <a:latin typeface="Times New Roman" panose="02020603050405020304" pitchFamily="18" charset="0"/>
+                          <a:cs typeface="Times New Roman" panose="02020603050405020304" pitchFamily="18" charset="0"/>
+                        </a:rPr>
+                        <a:t>Mintakészítő oldal</a:t>
+                      </a:r>
+                    </a:p>
+                    <a:p>
+                      <a:pPr marL="742950" lvl="1" indent="-285750">
+                        <a:buFont typeface="Arial" panose="020B0604020202020204" pitchFamily="34" charset="0"/>
+                        <a:buChar char="•"/>
+                      </a:pPr>
+                      <a:r>
+                        <a:rPr lang="hu-HU" i="0" dirty="0">
+                          <a:solidFill>
+                            <a:schemeClr val="tx1"/>
+                          </a:solidFill>
+                          <a:latin typeface="Times New Roman" panose="02020603050405020304" pitchFamily="18" charset="0"/>
+                          <a:cs typeface="Times New Roman" panose="02020603050405020304" pitchFamily="18" charset="0"/>
+                        </a:rPr>
+                        <a:t>Profil oldal</a:t>
+                      </a:r>
+                    </a:p>
+                    <a:p>
+                      <a:pPr marL="285750" indent="-285750">
+                        <a:buFont typeface="Wingdings" panose="05000000000000000000" pitchFamily="2" charset="2"/>
+                        <a:buChar char="§"/>
+                      </a:pPr>
+                      <a:r>
+                        <a:rPr lang="hu-HU" dirty="0">
+                          <a:solidFill>
+                            <a:schemeClr val="tx1"/>
+                          </a:solidFill>
+                          <a:latin typeface="Times New Roman" panose="02020603050405020304" pitchFamily="18" charset="0"/>
+                          <a:cs typeface="Times New Roman" panose="02020603050405020304" pitchFamily="18" charset="0"/>
+                        </a:rPr>
+                        <a:t>Backend tesztelés Postmannel</a:t>
+                      </a:r>
+                    </a:p>
+                    <a:p>
+                      <a:pPr marL="742950" lvl="1" indent="-285750">
+                        <a:buFont typeface="Arial" panose="020B0604020202020204" pitchFamily="34" charset="0"/>
+                        <a:buChar char="•"/>
+                      </a:pPr>
+                      <a:r>
+                        <a:rPr lang="hu-HU" i="0" dirty="0">
+                          <a:solidFill>
+                            <a:schemeClr val="tx1"/>
+                          </a:solidFill>
+                          <a:latin typeface="Times New Roman" panose="02020603050405020304" pitchFamily="18" charset="0"/>
+                          <a:cs typeface="Times New Roman" panose="02020603050405020304" pitchFamily="18" charset="0"/>
+                        </a:rPr>
+                        <a:t>P</a:t>
+                      </a:r>
+                    </a:p>
+                    <a:p>
+                      <a:pPr marL="285750" indent="-285750">
+                        <a:buFont typeface="Wingdings" panose="05000000000000000000" pitchFamily="2" charset="2"/>
+                        <a:buChar char="§"/>
+                      </a:pPr>
+                      <a:r>
+                        <a:rPr lang="hu-HU" dirty="0">
+                          <a:solidFill>
+                            <a:schemeClr val="tx1"/>
+                          </a:solidFill>
+                          <a:latin typeface="Times New Roman" panose="02020603050405020304" pitchFamily="18" charset="0"/>
+                          <a:cs typeface="Times New Roman" panose="02020603050405020304" pitchFamily="18" charset="0"/>
+                        </a:rPr>
+                        <a:t>Adatbázis megtervezése, létrehozása</a:t>
+                      </a:r>
+                    </a:p>
+                    <a:p>
+                      <a:pPr marL="742950" lvl="1" indent="-285750">
+                        <a:buFont typeface="Arial" panose="020B0604020202020204" pitchFamily="34" charset="0"/>
+                        <a:buChar char="•"/>
+                      </a:pPr>
+                      <a:r>
+                        <a:rPr lang="hu-HU" i="0" dirty="0">
+                          <a:solidFill>
+                            <a:schemeClr val="tx1"/>
+                          </a:solidFill>
+                          <a:latin typeface="Times New Roman" panose="02020603050405020304" pitchFamily="18" charset="0"/>
+                          <a:cs typeface="Times New Roman" panose="02020603050405020304" pitchFamily="18" charset="0"/>
+                        </a:rPr>
+                        <a:t>P</a:t>
+                      </a:r>
+                    </a:p>
+                  </a:txBody>
+                  <a:tcPr>
+                    <a:lnL w="12700" cap="flat" cmpd="sng" algn="ctr">
+                      <a:solidFill>
+                        <a:schemeClr val="tx1"/>
+                      </a:solidFill>
+                      <a:prstDash val="solid"/>
+                      <a:round/>
+                      <a:headEnd type="none" w="med" len="med"/>
+                      <a:tailEnd type="none" w="med" len="med"/>
+                    </a:lnL>
+                    <a:lnR w="12700" cap="flat" cmpd="sng" algn="ctr">
+                      <a:solidFill>
+                        <a:schemeClr val="tx1"/>
+                      </a:solidFill>
+                      <a:prstDash val="solid"/>
+                      <a:round/>
+                      <a:headEnd type="none" w="med" len="med"/>
+                      <a:tailEnd type="none" w="med" len="med"/>
+                    </a:lnR>
+                    <a:lnT w="12700" cap="flat" cmpd="sng" algn="ctr">
+                      <a:solidFill>
+                        <a:schemeClr val="tx1"/>
+                      </a:solidFill>
+                      <a:prstDash val="solid"/>
+                      <a:round/>
+                      <a:headEnd type="none" w="med" len="med"/>
+                      <a:tailEnd type="none" w="med" len="med"/>
+                    </a:lnT>
+                    <a:lnB w="12700" cap="flat" cmpd="sng" algn="ctr">
+                      <a:solidFill>
+                        <a:schemeClr val="tx1"/>
+                      </a:solidFill>
+                      <a:prstDash val="solid"/>
+                      <a:round/>
+                      <a:headEnd type="none" w="med" len="med"/>
+                      <a:tailEnd type="none" w="med" len="med"/>
+                    </a:lnB>
+                  </a:tcPr>
+                </a:tc>
+                <a:tc>
+                  <a:txBody>
+                    <a:bodyPr/>
+                    <a:lstStyle/>
+                    <a:p>
+                      <a:r>
+                        <a:rPr lang="hu-HU" dirty="0">
+                          <a:latin typeface="Times New Roman" panose="02020603050405020304" pitchFamily="18" charset="0"/>
+                          <a:cs typeface="Times New Roman" panose="02020603050405020304" pitchFamily="18" charset="0"/>
+                        </a:rPr>
+                        <a:t>Tóthpál István:</a:t>
+                      </a:r>
+                    </a:p>
+                    <a:p>
+                      <a:pPr marL="285750" indent="-285750">
+                        <a:buFont typeface="Wingdings" panose="05000000000000000000" pitchFamily="2" charset="2"/>
+                        <a:buChar char="§"/>
+                      </a:pPr>
+                      <a:r>
+                        <a:rPr lang="hu-HU" dirty="0">
+                          <a:solidFill>
+                            <a:schemeClr val="tx1"/>
+                          </a:solidFill>
+                          <a:latin typeface="Times New Roman" panose="02020603050405020304" pitchFamily="18" charset="0"/>
+                          <a:cs typeface="Times New Roman" panose="02020603050405020304" pitchFamily="18" charset="0"/>
+                        </a:rPr>
+                        <a:t>Frontend és backend:</a:t>
+                      </a:r>
+                    </a:p>
+                    <a:p>
+                      <a:pPr marL="742950" lvl="1" indent="-285750">
+                        <a:buFont typeface="Arial" panose="020B0604020202020204" pitchFamily="34" charset="0"/>
+                        <a:buChar char="•"/>
+                      </a:pPr>
+                      <a:r>
+                        <a:rPr lang="hu-HU" i="0" dirty="0">
+                          <a:solidFill>
+                            <a:schemeClr val="tx1"/>
+                          </a:solidFill>
+                          <a:latin typeface="Times New Roman" panose="02020603050405020304" pitchFamily="18" charset="0"/>
+                          <a:cs typeface="Times New Roman" panose="02020603050405020304" pitchFamily="18" charset="0"/>
+                        </a:rPr>
+                        <a:t>Belépés és regisztráció</a:t>
+                      </a:r>
+                    </a:p>
+                    <a:p>
+                      <a:pPr marL="742950" lvl="1" indent="-285750">
+                        <a:buFont typeface="Arial" panose="020B0604020202020204" pitchFamily="34" charset="0"/>
+                        <a:buChar char="•"/>
+                      </a:pPr>
+                      <a:r>
+                        <a:rPr lang="hu-HU" i="0" dirty="0">
+                          <a:solidFill>
+                            <a:schemeClr val="tx1"/>
+                          </a:solidFill>
+                          <a:latin typeface="Times New Roman" panose="02020603050405020304" pitchFamily="18" charset="0"/>
+                          <a:cs typeface="Times New Roman" panose="02020603050405020304" pitchFamily="18" charset="0"/>
+                        </a:rPr>
+                        <a:t>Termékek és áruház</a:t>
+                      </a:r>
+                    </a:p>
+                    <a:p>
+                      <a:pPr marL="742950" lvl="1" indent="-285750">
+                        <a:buFont typeface="Arial" panose="020B0604020202020204" pitchFamily="34" charset="0"/>
+                        <a:buChar char="•"/>
+                      </a:pPr>
+                      <a:r>
+                        <a:rPr lang="hu-HU" i="0" dirty="0">
+                          <a:solidFill>
+                            <a:schemeClr val="tx1"/>
+                          </a:solidFill>
+                          <a:latin typeface="Times New Roman" panose="02020603050405020304" pitchFamily="18" charset="0"/>
+                          <a:cs typeface="Times New Roman" panose="02020603050405020304" pitchFamily="18" charset="0"/>
+                        </a:rPr>
+                        <a:t>Termékek rendelése</a:t>
+                      </a:r>
+                    </a:p>
+                    <a:p>
+                      <a:pPr marL="742950" lvl="1" indent="-285750">
+                        <a:buFont typeface="Arial" panose="020B0604020202020204" pitchFamily="34" charset="0"/>
+                        <a:buChar char="•"/>
+                      </a:pPr>
+                      <a:r>
+                        <a:rPr lang="hu-HU" i="0" dirty="0">
+                          <a:solidFill>
+                            <a:schemeClr val="tx1"/>
+                          </a:solidFill>
+                          <a:latin typeface="Times New Roman" panose="02020603050405020304" pitchFamily="18" charset="0"/>
+                          <a:cs typeface="Times New Roman" panose="02020603050405020304" pitchFamily="18" charset="0"/>
+                        </a:rPr>
+                        <a:t>Adminisztrációs felület</a:t>
+                      </a:r>
+                    </a:p>
+                    <a:p>
+                      <a:pPr marL="285750" indent="-285750">
+                        <a:buFont typeface="Wingdings" panose="05000000000000000000" pitchFamily="2" charset="2"/>
+                        <a:buChar char="§"/>
+                      </a:pPr>
+                      <a:r>
+                        <a:rPr lang="hu-HU" dirty="0">
+                          <a:solidFill>
+                            <a:schemeClr val="tx1"/>
+                          </a:solidFill>
+                          <a:latin typeface="Times New Roman" panose="02020603050405020304" pitchFamily="18" charset="0"/>
+                          <a:cs typeface="Times New Roman" panose="02020603050405020304" pitchFamily="18" charset="0"/>
+                        </a:rPr>
+                        <a:t>Frontend tesztelés </a:t>
+                      </a:r>
+                      <a:r>
+                        <a:rPr lang="hu-HU" dirty="0" err="1">
+                          <a:solidFill>
+                            <a:schemeClr val="tx1"/>
+                          </a:solidFill>
+                          <a:latin typeface="Times New Roman" panose="02020603050405020304" pitchFamily="18" charset="0"/>
+                          <a:cs typeface="Times New Roman" panose="02020603050405020304" pitchFamily="18" charset="0"/>
+                        </a:rPr>
+                        <a:t>Robotframeworkkel</a:t>
+                      </a:r>
+                      <a:endParaRPr lang="hu-HU" dirty="0">
+                        <a:solidFill>
+                          <a:schemeClr val="tx1"/>
+                        </a:solidFill>
+                        <a:latin typeface="Times New Roman" panose="02020603050405020304" pitchFamily="18" charset="0"/>
+                        <a:cs typeface="Times New Roman" panose="02020603050405020304" pitchFamily="18" charset="0"/>
+                      </a:endParaRPr>
+                    </a:p>
+                    <a:p>
+                      <a:pPr marL="742950" lvl="1" indent="-285750">
+                        <a:buFont typeface="Arial" panose="020B0604020202020204" pitchFamily="34" charset="0"/>
+                        <a:buChar char="•"/>
+                      </a:pPr>
+                      <a:r>
+                        <a:rPr lang="hu-HU" i="0" dirty="0">
+                          <a:solidFill>
+                            <a:schemeClr val="tx1"/>
+                          </a:solidFill>
+                          <a:latin typeface="Times New Roman" panose="02020603050405020304" pitchFamily="18" charset="0"/>
+                          <a:cs typeface="Times New Roman" panose="02020603050405020304" pitchFamily="18" charset="0"/>
+                        </a:rPr>
+                        <a:t>P</a:t>
+                      </a:r>
+                    </a:p>
+                    <a:p>
+                      <a:pPr marL="285750" indent="-285750">
+                        <a:buFont typeface="Wingdings" panose="05000000000000000000" pitchFamily="2" charset="2"/>
+                        <a:buChar char="§"/>
+                      </a:pPr>
+                      <a:r>
+                        <a:rPr lang="hu-HU" dirty="0">
+                          <a:solidFill>
+                            <a:schemeClr val="tx1"/>
+                          </a:solidFill>
+                          <a:latin typeface="Times New Roman" panose="02020603050405020304" pitchFamily="18" charset="0"/>
+                          <a:cs typeface="Times New Roman" panose="02020603050405020304" pitchFamily="18" charset="0"/>
+                        </a:rPr>
+                        <a:t>Adatbázis feltöltése</a:t>
+                      </a:r>
+                    </a:p>
+                    <a:p>
+                      <a:pPr marL="742950" lvl="1" indent="-285750">
+                        <a:buFont typeface="Arial" panose="020B0604020202020204" pitchFamily="34" charset="0"/>
+                        <a:buChar char="•"/>
+                      </a:pPr>
+                      <a:r>
+                        <a:rPr lang="hu-HU" i="0" dirty="0">
+                          <a:solidFill>
+                            <a:schemeClr val="tx1"/>
+                          </a:solidFill>
+                          <a:latin typeface="Times New Roman" panose="02020603050405020304" pitchFamily="18" charset="0"/>
+                          <a:cs typeface="Times New Roman" panose="02020603050405020304" pitchFamily="18" charset="0"/>
+                        </a:rPr>
+                        <a:t>P</a:t>
+                      </a:r>
+                    </a:p>
+                  </a:txBody>
+                  <a:tcPr>
+                    <a:lnL w="12700" cap="flat" cmpd="sng" algn="ctr">
+                      <a:solidFill>
+                        <a:schemeClr val="tx1"/>
+                      </a:solidFill>
+                      <a:prstDash val="solid"/>
+                      <a:round/>
+                      <a:headEnd type="none" w="med" len="med"/>
+                      <a:tailEnd type="none" w="med" len="med"/>
+                    </a:lnL>
+                    <a:lnR w="12700" cap="flat" cmpd="sng" algn="ctr">
+                      <a:solidFill>
+                        <a:schemeClr val="tx1"/>
+                      </a:solidFill>
+                      <a:prstDash val="solid"/>
+                      <a:round/>
+                      <a:headEnd type="none" w="med" len="med"/>
+                      <a:tailEnd type="none" w="med" len="med"/>
+                    </a:lnR>
+                    <a:lnT w="12700" cap="flat" cmpd="sng" algn="ctr">
+                      <a:solidFill>
+                        <a:schemeClr val="tx1"/>
+                      </a:solidFill>
+                      <a:prstDash val="solid"/>
+                      <a:round/>
+                      <a:headEnd type="none" w="med" len="med"/>
+                      <a:tailEnd type="none" w="med" len="med"/>
+                    </a:lnT>
+                    <a:lnB w="12700" cap="flat" cmpd="sng" algn="ctr">
+                      <a:solidFill>
+                        <a:schemeClr val="tx1"/>
+                      </a:solidFill>
+                      <a:prstDash val="solid"/>
+                      <a:round/>
+                      <a:headEnd type="none" w="med" len="med"/>
+                      <a:tailEnd type="none" w="med" len="med"/>
+                    </a:lnB>
+                  </a:tcPr>
+                </a:tc>
+                <a:extLst>
+                  <a:ext uri="{0D108BD9-81ED-4DB2-BD59-A6C34878D82A}">
+                    <a16:rowId xmlns:a16="http://schemas.microsoft.com/office/drawing/2014/main" val="54892556"/>
+                  </a:ext>
+                </a:extLst>
+              </a:tr>
+            </a:tbl>
+          </a:graphicData>
+        </a:graphic>
+      </p:graphicFrame>
     </p:spTree>
     <p:extLst>
       <p:ext uri="{BB962C8B-B14F-4D97-AF65-F5344CB8AC3E}">
@@ -4081,7 +4596,12 @@
             <p:ph type="title"/>
           </p:nvPr>
         </p:nvSpPr>
-        <p:spPr/>
+        <p:spPr>
+          <a:xfrm>
+            <a:off x="1371600" y="685800"/>
+            <a:ext cx="9601200" cy="838200"/>
+          </a:xfrm>
+        </p:spPr>
         <p:txBody>
           <a:bodyPr/>
           <a:lstStyle/>
@@ -4091,6 +4611,8 @@
                 <a:solidFill>
                   <a:schemeClr val="tx1"/>
                 </a:solidFill>
+                <a:latin typeface="Times New Roman" panose="02020603050405020304" pitchFamily="18" charset="0"/>
+                <a:cs typeface="Times New Roman" panose="02020603050405020304" pitchFamily="18" charset="0"/>
               </a:rPr>
               <a:t>Bővítési lehetőségek</a:t>
             </a:r>
@@ -4122,6 +4644,8 @@
               <a:solidFill>
                 <a:schemeClr val="tx1"/>
               </a:solidFill>
+              <a:latin typeface="Times New Roman" panose="02020603050405020304" pitchFamily="18" charset="0"/>
+              <a:cs typeface="Times New Roman" panose="02020603050405020304" pitchFamily="18" charset="0"/>
             </a:endParaRPr>
           </a:p>
         </p:txBody>
@@ -4172,45 +4696,27 @@
             <p:ph type="title"/>
           </p:nvPr>
         </p:nvSpPr>
-        <p:spPr/>
+        <p:spPr>
+          <a:xfrm>
+            <a:off x="1295400" y="2686050"/>
+            <a:ext cx="9601200" cy="963083"/>
+          </a:xfrm>
+        </p:spPr>
         <p:txBody>
           <a:bodyPr/>
           <a:lstStyle/>
           <a:p>
-            <a:endParaRPr lang="hu-HU" dirty="0">
-              <a:solidFill>
-                <a:schemeClr val="tx1"/>
-              </a:solidFill>
-            </a:endParaRPr>
-          </a:p>
-        </p:txBody>
-      </p:sp>
-      <p:sp>
-        <p:nvSpPr>
-          <p:cNvPr id="3" name="Tartalom helye 2">
-            <a:extLst>
-              <a:ext uri="{FF2B5EF4-FFF2-40B4-BE49-F238E27FC236}">
-                <a16:creationId xmlns:a16="http://schemas.microsoft.com/office/drawing/2014/main" id="{80692D13-F04E-4F4F-A667-DFE0B3C725A5}"/>
-              </a:ext>
-            </a:extLst>
-          </p:cNvPr>
-          <p:cNvSpPr>
-            <a:spLocks noGrp="1"/>
-          </p:cNvSpPr>
-          <p:nvPr>
-            <p:ph idx="1"/>
-          </p:nvPr>
-        </p:nvSpPr>
-        <p:spPr/>
-        <p:txBody>
-          <a:bodyPr/>
-          <a:lstStyle/>
-          <a:p>
-            <a:endParaRPr lang="hu-HU" dirty="0">
-              <a:solidFill>
-                <a:schemeClr val="tx1"/>
-              </a:solidFill>
-            </a:endParaRPr>
+            <a:pPr algn="ctr"/>
+            <a:r>
+              <a:rPr lang="hu-HU" dirty="0">
+                <a:solidFill>
+                  <a:schemeClr val="tx1"/>
+                </a:solidFill>
+                <a:latin typeface="Times New Roman" panose="02020603050405020304" pitchFamily="18" charset="0"/>
+                <a:cs typeface="Times New Roman" panose="02020603050405020304" pitchFamily="18" charset="0"/>
+              </a:rPr>
+              <a:t>Köszönjük a figyelmet!</a:t>
+            </a:r>
           </a:p>
         </p:txBody>
       </p:sp>
@@ -4710,6 +5216,8 @@
                 <a:solidFill>
                   <a:schemeClr val="tx1"/>
                 </a:solidFill>
+                <a:latin typeface="Times New Roman" panose="02020603050405020304" pitchFamily="18" charset="0"/>
+                <a:cs typeface="Times New Roman" panose="02020603050405020304" pitchFamily="18" charset="0"/>
               </a:rPr>
               <a:t>A projekt bemutatása</a:t>
             </a:r>
@@ -4734,13 +5242,13 @@
         </p:nvSpPr>
         <p:spPr>
           <a:xfrm>
-            <a:off x="1371600" y="1969477"/>
+            <a:off x="1151467" y="1744622"/>
             <a:ext cx="9601200" cy="4012223"/>
           </a:xfrm>
         </p:spPr>
         <p:txBody>
           <a:bodyPr>
-            <a:normAutofit fontScale="92500" lnSpcReduction="10000"/>
+            <a:normAutofit fontScale="85000" lnSpcReduction="10000"/>
           </a:bodyPr>
           <a:lstStyle/>
           <a:p>
@@ -4749,6 +5257,8 @@
                 <a:solidFill>
                   <a:schemeClr val="tx1"/>
                 </a:solidFill>
+                <a:latin typeface="Times New Roman" panose="02020603050405020304" pitchFamily="18" charset="0"/>
+                <a:cs typeface="Times New Roman" panose="02020603050405020304" pitchFamily="18" charset="0"/>
               </a:rPr>
               <a:t>Prezentáció:</a:t>
             </a:r>
@@ -4759,6 +5269,8 @@
                 <a:solidFill>
                   <a:schemeClr val="tx1"/>
                 </a:solidFill>
+                <a:latin typeface="Times New Roman" panose="02020603050405020304" pitchFamily="18" charset="0"/>
+                <a:cs typeface="Times New Roman" panose="02020603050405020304" pitchFamily="18" charset="0"/>
                 <a:hlinkClick r:id="rId2"/>
               </a:rPr>
               <a:t>https://youtu.be/AAVxq0WvIJU?si=fdMjgQV-V2niKMhS</a:t>
@@ -4767,25 +5279,18 @@
               <a:solidFill>
                 <a:schemeClr val="tx1"/>
               </a:solidFill>
+              <a:latin typeface="Times New Roman" panose="02020603050405020304" pitchFamily="18" charset="0"/>
+              <a:cs typeface="Times New Roman" panose="02020603050405020304" pitchFamily="18" charset="0"/>
             </a:endParaRPr>
           </a:p>
           <a:p>
             <a:r>
-              <a:rPr lang="hu-HU" dirty="0">
-                <a:solidFill>
-                  <a:schemeClr val="tx1"/>
-                </a:solidFill>
-              </a:rPr>
-              <a:t>Angolul (???)</a:t>
-            </a:r>
-          </a:p>
-          <a:p>
-            <a:r>
               <a:rPr lang="hu-HU" sz="1800" b="0" i="0" u="none" strike="noStrike" baseline="0" dirty="0">
                 <a:solidFill>
                   <a:srgbClr val="000000"/>
                 </a:solidFill>
                 <a:latin typeface="Times New Roman" panose="02020603050405020304" pitchFamily="18" charset="0"/>
+                <a:cs typeface="Times New Roman" panose="02020603050405020304" pitchFamily="18" charset="0"/>
               </a:rPr>
               <a:t>vizsgarész során a vizsgázó gyakorlati bemutatóval összekapcsolt szóbeli előadás formájában mutatja be a </a:t>
             </a:r>
@@ -4797,6 +5302,7 @@
                   <a:srgbClr val="000000"/>
                 </a:solidFill>
                 <a:latin typeface="Times New Roman" panose="02020603050405020304" pitchFamily="18" charset="0"/>
+                <a:cs typeface="Times New Roman" panose="02020603050405020304" pitchFamily="18" charset="0"/>
               </a:rPr>
               <a:t>szoftver célját, </a:t>
             </a:r>
@@ -4808,6 +5314,7 @@
                   <a:srgbClr val="000000"/>
                 </a:solidFill>
                 <a:latin typeface="Times New Roman" panose="02020603050405020304" pitchFamily="18" charset="0"/>
+                <a:cs typeface="Times New Roman" panose="02020603050405020304" pitchFamily="18" charset="0"/>
               </a:rPr>
               <a:t>műszaki megvalósítását, </a:t>
             </a:r>
@@ -4819,6 +5326,7 @@
                   <a:srgbClr val="000000"/>
                 </a:solidFill>
                 <a:latin typeface="Times New Roman" panose="02020603050405020304" pitchFamily="18" charset="0"/>
+                <a:cs typeface="Times New Roman" panose="02020603050405020304" pitchFamily="18" charset="0"/>
               </a:rPr>
               <a:t>működését, </a:t>
             </a:r>
@@ -4830,6 +5338,7 @@
                   <a:srgbClr val="000000"/>
                 </a:solidFill>
                 <a:latin typeface="Times New Roman" panose="02020603050405020304" pitchFamily="18" charset="0"/>
+                <a:cs typeface="Times New Roman" panose="02020603050405020304" pitchFamily="18" charset="0"/>
               </a:rPr>
               <a:t>forráskódját, </a:t>
             </a:r>
@@ -4841,33 +5350,54 @@
                   <a:srgbClr val="000000"/>
                 </a:solidFill>
                 <a:latin typeface="Times New Roman" panose="02020603050405020304" pitchFamily="18" charset="0"/>
+                <a:cs typeface="Times New Roman" panose="02020603050405020304" pitchFamily="18" charset="0"/>
               </a:rPr>
-              <a:t>a csapaton belüli munkamegosztást, a fejlesztési csapatban betöltött szerepét, a fejlesztés </a:t>
-            </a:r>
-            <a:r>
-              <a:rPr lang="hu-HU" sz="1800" b="0" i="0" u="none" strike="noStrike" baseline="0" dirty="0" err="1">
+              <a:t>a csapaton belüli munkamegosztást, a fejlesztési csapatban betöltött szerepét, a fejlesztés során használt projektszervezési eszközöket. </a:t>
+            </a:r>
+          </a:p>
+          <a:p>
+            <a:r>
+              <a:rPr lang="hu-HU" sz="1800" dirty="0">
                 <a:solidFill>
                   <a:srgbClr val="000000"/>
                 </a:solidFill>
                 <a:latin typeface="Times New Roman" panose="02020603050405020304" pitchFamily="18" charset="0"/>
+                <a:cs typeface="Times New Roman" panose="02020603050405020304" pitchFamily="18" charset="0"/>
               </a:rPr>
-              <a:t>so-rán</a:t>
-            </a:r>
+              <a:t>Első dia szinte olyan mint a dokumentáció, mintával, dátummal „vizsgaremek” felirat</a:t>
+            </a:r>
+          </a:p>
+          <a:p>
             <a:r>
               <a:rPr lang="hu-HU" sz="1800" b="0" i="0" u="none" strike="noStrike" baseline="0" dirty="0">
                 <a:solidFill>
                   <a:srgbClr val="000000"/>
                 </a:solidFill>
                 <a:latin typeface="Times New Roman" panose="02020603050405020304" pitchFamily="18" charset="0"/>
+                <a:cs typeface="Times New Roman" panose="02020603050405020304" pitchFamily="18" charset="0"/>
               </a:rPr>
-              <a:t> használt projektszervezési eszközöket. </a:t>
-            </a:r>
-          </a:p>
-          <a:p>
-            <a:endParaRPr lang="hu-HU" dirty="0">
+              <a:t>Max 7 infó a dián</a:t>
+            </a:r>
+          </a:p>
+          <a:p>
+            <a:r>
+              <a:rPr lang="hu-HU" sz="1800" b="0" i="0" u="none" strike="noStrike" baseline="0" dirty="0">
+                <a:solidFill>
+                  <a:srgbClr val="000000"/>
+                </a:solidFill>
+                <a:latin typeface="Times New Roman" panose="02020603050405020304" pitchFamily="18" charset="0"/>
+                <a:cs typeface="Times New Roman" panose="02020603050405020304" pitchFamily="18" charset="0"/>
+              </a:rPr>
+              <a:t>Végén köszönjük a figyelmet</a:t>
+            </a:r>
+          </a:p>
+          <a:p>
+            <a:endParaRPr lang="hu-HU" sz="1800" b="0" i="0" u="none" strike="noStrike" baseline="0" dirty="0">
               <a:solidFill>
-                <a:schemeClr val="tx1"/>
+                <a:srgbClr val="000000"/>
               </a:solidFill>
+              <a:latin typeface="Times New Roman" panose="02020603050405020304" pitchFamily="18" charset="0"/>
+              <a:cs typeface="Times New Roman" panose="02020603050405020304" pitchFamily="18" charset="0"/>
             </a:endParaRPr>
           </a:p>
         </p:txBody>
@@ -4918,7 +5448,12 @@
             <p:ph type="title"/>
           </p:nvPr>
         </p:nvSpPr>
-        <p:spPr/>
+        <p:spPr>
+          <a:xfrm>
+            <a:off x="1371600" y="685800"/>
+            <a:ext cx="9601200" cy="956733"/>
+          </a:xfrm>
+        </p:spPr>
         <p:txBody>
           <a:bodyPr/>
           <a:lstStyle/>
@@ -4928,8 +5463,10 @@
                 <a:solidFill>
                   <a:schemeClr val="tx1"/>
                 </a:solidFill>
+                <a:latin typeface="Times New Roman" panose="02020603050405020304" pitchFamily="18" charset="0"/>
+                <a:cs typeface="Times New Roman" panose="02020603050405020304" pitchFamily="18" charset="0"/>
               </a:rPr>
-              <a:t>Funkciók</a:t>
+              <a:t>Az oldalunk funkciói</a:t>
             </a:r>
           </a:p>
         </p:txBody>
@@ -4950,15 +5487,106 @@
             <p:ph idx="1"/>
           </p:nvPr>
         </p:nvSpPr>
-        <p:spPr/>
+        <p:spPr>
+          <a:xfrm>
+            <a:off x="1371600" y="1871133"/>
+            <a:ext cx="9127067" cy="3581400"/>
+          </a:xfrm>
+        </p:spPr>
         <p:txBody>
           <a:bodyPr/>
           <a:lstStyle/>
           <a:p>
+            <a:pPr>
+              <a:buFont typeface="Wingdings" panose="05000000000000000000" pitchFamily="2" charset="2"/>
+              <a:buChar char="Ø"/>
+            </a:pPr>
+            <a:r>
+              <a:rPr lang="hu-HU" dirty="0">
+                <a:solidFill>
+                  <a:schemeClr val="tx1"/>
+                </a:solidFill>
+                <a:latin typeface="Times New Roman" panose="02020603050405020304" pitchFamily="18" charset="0"/>
+                <a:cs typeface="Times New Roman" panose="02020603050405020304" pitchFamily="18" charset="0"/>
+              </a:rPr>
+              <a:t>Belépés</a:t>
+            </a:r>
+          </a:p>
+          <a:p>
+            <a:pPr>
+              <a:buFont typeface="Wingdings" panose="05000000000000000000" pitchFamily="2" charset="2"/>
+              <a:buChar char="Ø"/>
+            </a:pPr>
+            <a:r>
+              <a:rPr lang="hu-HU" dirty="0">
+                <a:solidFill>
+                  <a:schemeClr val="tx1"/>
+                </a:solidFill>
+                <a:latin typeface="Times New Roman" panose="02020603050405020304" pitchFamily="18" charset="0"/>
+                <a:cs typeface="Times New Roman" panose="02020603050405020304" pitchFamily="18" charset="0"/>
+              </a:rPr>
+              <a:t>Regisztráció</a:t>
+            </a:r>
+          </a:p>
+          <a:p>
+            <a:pPr>
+              <a:buFont typeface="Wingdings" panose="05000000000000000000" pitchFamily="2" charset="2"/>
+              <a:buChar char="Ø"/>
+            </a:pPr>
+            <a:r>
+              <a:rPr lang="hu-HU" dirty="0">
+                <a:solidFill>
+                  <a:schemeClr val="tx1"/>
+                </a:solidFill>
+                <a:latin typeface="Times New Roman" panose="02020603050405020304" pitchFamily="18" charset="0"/>
+                <a:cs typeface="Times New Roman" panose="02020603050405020304" pitchFamily="18" charset="0"/>
+              </a:rPr>
+              <a:t>Termékek böngészése, rendelése</a:t>
+            </a:r>
+          </a:p>
+          <a:p>
+            <a:pPr>
+              <a:buFont typeface="Wingdings" panose="05000000000000000000" pitchFamily="2" charset="2"/>
+              <a:buChar char="Ø"/>
+            </a:pPr>
+            <a:r>
+              <a:rPr lang="hu-HU" dirty="0">
+                <a:solidFill>
+                  <a:schemeClr val="tx1"/>
+                </a:solidFill>
+                <a:latin typeface="Times New Roman" panose="02020603050405020304" pitchFamily="18" charset="0"/>
+                <a:cs typeface="Times New Roman" panose="02020603050405020304" pitchFamily="18" charset="0"/>
+              </a:rPr>
+              <a:t>Blogposztok böngészése, újak feltöltése</a:t>
+            </a:r>
+          </a:p>
+          <a:p>
+            <a:pPr>
+              <a:buFont typeface="Wingdings" panose="05000000000000000000" pitchFamily="2" charset="2"/>
+              <a:buChar char="Ø"/>
+            </a:pPr>
+            <a:r>
+              <a:rPr lang="hu-HU" dirty="0">
+                <a:solidFill>
+                  <a:schemeClr val="tx1"/>
+                </a:solidFill>
+                <a:latin typeface="Times New Roman" panose="02020603050405020304" pitchFamily="18" charset="0"/>
+                <a:cs typeface="Times New Roman" panose="02020603050405020304" pitchFamily="18" charset="0"/>
+              </a:rPr>
+              <a:t>Egyedi minták készítése kép alapján horgoláshoz, kötéshez és hímzéshez, és az ehhez szükséges eszközök megrendelése az oldalunkról</a:t>
+            </a:r>
+          </a:p>
+          <a:p>
+            <a:pPr>
+              <a:buFont typeface="Wingdings" panose="05000000000000000000" pitchFamily="2" charset="2"/>
+              <a:buChar char="Ø"/>
+            </a:pPr>
             <a:endParaRPr lang="hu-HU" dirty="0">
               <a:solidFill>
                 <a:schemeClr val="tx1"/>
               </a:solidFill>
+              <a:latin typeface="Times New Roman" panose="02020603050405020304" pitchFamily="18" charset="0"/>
+              <a:cs typeface="Times New Roman" panose="02020603050405020304" pitchFamily="18" charset="0"/>
             </a:endParaRPr>
           </a:p>
         </p:txBody>
@@ -5009,7 +5637,12 @@
             <p:ph type="title"/>
           </p:nvPr>
         </p:nvSpPr>
-        <p:spPr/>
+        <p:spPr>
+          <a:xfrm>
+            <a:off x="1371600" y="685800"/>
+            <a:ext cx="9601200" cy="931333"/>
+          </a:xfrm>
+        </p:spPr>
         <p:txBody>
           <a:bodyPr/>
           <a:lstStyle/>
@@ -5019,6 +5652,8 @@
                 <a:solidFill>
                   <a:schemeClr val="tx1"/>
                 </a:solidFill>
+                <a:latin typeface="Times New Roman" panose="02020603050405020304" pitchFamily="18" charset="0"/>
+                <a:cs typeface="Times New Roman" panose="02020603050405020304" pitchFamily="18" charset="0"/>
               </a:rPr>
               <a:t>Program részei</a:t>
             </a:r>
@@ -5041,7 +5676,12 @@
             <p:ph idx="1"/>
           </p:nvPr>
         </p:nvSpPr>
-        <p:spPr/>
+        <p:spPr>
+          <a:xfrm>
+            <a:off x="1371600" y="2171700"/>
+            <a:ext cx="9601200" cy="3581400"/>
+          </a:xfrm>
+        </p:spPr>
         <p:txBody>
           <a:bodyPr/>
           <a:lstStyle/>
@@ -5051,15 +5691,80 @@
                 <a:solidFill>
                   <a:schemeClr val="tx1"/>
                 </a:solidFill>
+                <a:latin typeface="Times New Roman" panose="02020603050405020304" pitchFamily="18" charset="0"/>
+                <a:cs typeface="Times New Roman" panose="02020603050405020304" pitchFamily="18" charset="0"/>
               </a:rPr>
-              <a:t>Backend, frontend, adatbázis – további diákon részletezi példa kódrészletekkel is</a:t>
-            </a:r>
-          </a:p>
-          <a:p>
-            <a:endParaRPr lang="hu-HU" dirty="0">
+              <a:t>Backend</a:t>
+            </a:r>
+          </a:p>
+          <a:p>
+            <a:pPr lvl="1"/>
+            <a:r>
+              <a:rPr lang="hu-HU" i="0" dirty="0">
+                <a:solidFill>
+                  <a:schemeClr val="tx1"/>
+                </a:solidFill>
+                <a:latin typeface="Times New Roman" panose="02020603050405020304" pitchFamily="18" charset="0"/>
+                <a:cs typeface="Times New Roman" panose="02020603050405020304" pitchFamily="18" charset="0"/>
+              </a:rPr>
+              <a:t>Laravel</a:t>
+            </a:r>
+          </a:p>
+          <a:p>
+            <a:r>
+              <a:rPr lang="hu-HU" dirty="0">
+                <a:solidFill>
+                  <a:schemeClr val="tx1"/>
+                </a:solidFill>
+                <a:latin typeface="Times New Roman" panose="02020603050405020304" pitchFamily="18" charset="0"/>
+                <a:cs typeface="Times New Roman" panose="02020603050405020304" pitchFamily="18" charset="0"/>
+              </a:rPr>
+              <a:t>Frontend</a:t>
+            </a:r>
+          </a:p>
+          <a:p>
+            <a:pPr lvl="1"/>
+            <a:r>
+              <a:rPr lang="hu-HU" i="0" dirty="0">
+                <a:solidFill>
+                  <a:schemeClr val="tx1"/>
+                </a:solidFill>
+                <a:latin typeface="Times New Roman" panose="02020603050405020304" pitchFamily="18" charset="0"/>
+                <a:cs typeface="Times New Roman" panose="02020603050405020304" pitchFamily="18" charset="0"/>
+              </a:rPr>
+              <a:t>Vue.js</a:t>
+            </a:r>
+          </a:p>
+          <a:p>
+            <a:r>
+              <a:rPr lang="hu-HU" dirty="0">
+                <a:solidFill>
+                  <a:schemeClr val="tx1"/>
+                </a:solidFill>
+                <a:latin typeface="Times New Roman" panose="02020603050405020304" pitchFamily="18" charset="0"/>
+                <a:cs typeface="Times New Roman" panose="02020603050405020304" pitchFamily="18" charset="0"/>
+              </a:rPr>
+              <a:t>Adatbázis</a:t>
+            </a:r>
+          </a:p>
+          <a:p>
+            <a:pPr lvl="1"/>
+            <a:r>
+              <a:rPr lang="hu-HU" i="0" dirty="0" err="1">
+                <a:solidFill>
+                  <a:schemeClr val="tx1"/>
+                </a:solidFill>
+                <a:latin typeface="Times New Roman" panose="02020603050405020304" pitchFamily="18" charset="0"/>
+                <a:cs typeface="Times New Roman" panose="02020603050405020304" pitchFamily="18" charset="0"/>
+              </a:rPr>
+              <a:t>Mysql</a:t>
+            </a:r>
+            <a:endParaRPr lang="hu-HU" i="0" dirty="0">
               <a:solidFill>
                 <a:schemeClr val="tx1"/>
               </a:solidFill>
+              <a:latin typeface="Times New Roman" panose="02020603050405020304" pitchFamily="18" charset="0"/>
+              <a:cs typeface="Times New Roman" panose="02020603050405020304" pitchFamily="18" charset="0"/>
             </a:endParaRPr>
           </a:p>
         </p:txBody>
@@ -5120,6 +5825,8 @@
                 <a:solidFill>
                   <a:schemeClr val="tx1"/>
                 </a:solidFill>
+                <a:latin typeface="Times New Roman" panose="02020603050405020304" pitchFamily="18" charset="0"/>
+                <a:cs typeface="Times New Roman" panose="02020603050405020304" pitchFamily="18" charset="0"/>
               </a:rPr>
               <a:t>Backend</a:t>
             </a:r>
@@ -5151,6 +5858,8 @@
               <a:solidFill>
                 <a:schemeClr val="tx1"/>
               </a:solidFill>
+              <a:latin typeface="Times New Roman" panose="02020603050405020304" pitchFamily="18" charset="0"/>
+              <a:cs typeface="Times New Roman" panose="02020603050405020304" pitchFamily="18" charset="0"/>
             </a:endParaRPr>
           </a:p>
         </p:txBody>
@@ -5211,6 +5920,8 @@
                 <a:solidFill>
                   <a:schemeClr val="tx1"/>
                 </a:solidFill>
+                <a:latin typeface="Times New Roman" panose="02020603050405020304" pitchFamily="18" charset="0"/>
+                <a:cs typeface="Times New Roman" panose="02020603050405020304" pitchFamily="18" charset="0"/>
               </a:rPr>
               <a:t>Frontend</a:t>
             </a:r>
@@ -5242,6 +5953,8 @@
               <a:solidFill>
                 <a:schemeClr val="tx1"/>
               </a:solidFill>
+              <a:latin typeface="Times New Roman" panose="02020603050405020304" pitchFamily="18" charset="0"/>
+              <a:cs typeface="Times New Roman" panose="02020603050405020304" pitchFamily="18" charset="0"/>
             </a:endParaRPr>
           </a:p>
         </p:txBody>
@@ -5302,6 +6015,8 @@
                 <a:solidFill>
                   <a:schemeClr val="tx1"/>
                 </a:solidFill>
+                <a:latin typeface="Times New Roman" panose="02020603050405020304" pitchFamily="18" charset="0"/>
+                <a:cs typeface="Times New Roman" panose="02020603050405020304" pitchFamily="18" charset="0"/>
               </a:rPr>
               <a:t>Adatbázis</a:t>
             </a:r>
@@ -5333,6 +6048,8 @@
               <a:solidFill>
                 <a:schemeClr val="tx1"/>
               </a:solidFill>
+              <a:latin typeface="Times New Roman" panose="02020603050405020304" pitchFamily="18" charset="0"/>
+              <a:cs typeface="Times New Roman" panose="02020603050405020304" pitchFamily="18" charset="0"/>
             </a:endParaRPr>
           </a:p>
         </p:txBody>
@@ -5393,6 +6110,8 @@
                 <a:solidFill>
                   <a:schemeClr val="tx1"/>
                 </a:solidFill>
+                <a:latin typeface="Times New Roman" panose="02020603050405020304" pitchFamily="18" charset="0"/>
+                <a:cs typeface="Times New Roman" panose="02020603050405020304" pitchFamily="18" charset="0"/>
               </a:rPr>
               <a:t>Reszponzívitás</a:t>
             </a:r>
@@ -5400,6 +6119,8 @@
               <a:solidFill>
                 <a:schemeClr val="tx1"/>
               </a:solidFill>
+              <a:latin typeface="Times New Roman" panose="02020603050405020304" pitchFamily="18" charset="0"/>
+              <a:cs typeface="Times New Roman" panose="02020603050405020304" pitchFamily="18" charset="0"/>
             </a:endParaRPr>
           </a:p>
         </p:txBody>
@@ -5429,6 +6150,8 @@
               <a:solidFill>
                 <a:schemeClr val="tx1"/>
               </a:solidFill>
+              <a:latin typeface="Times New Roman" panose="02020603050405020304" pitchFamily="18" charset="0"/>
+              <a:cs typeface="Times New Roman" panose="02020603050405020304" pitchFamily="18" charset="0"/>
             </a:endParaRPr>
           </a:p>
         </p:txBody>
@@ -5479,7 +6202,12 @@
             <p:ph type="title"/>
           </p:nvPr>
         </p:nvSpPr>
-        <p:spPr/>
+        <p:spPr>
+          <a:xfrm>
+            <a:off x="1371600" y="685800"/>
+            <a:ext cx="9601200" cy="829733"/>
+          </a:xfrm>
+        </p:spPr>
         <p:txBody>
           <a:bodyPr/>
           <a:lstStyle/>
@@ -5489,6 +6217,8 @@
                 <a:solidFill>
                   <a:schemeClr val="tx1"/>
                 </a:solidFill>
+                <a:latin typeface="Times New Roman" panose="02020603050405020304" pitchFamily="18" charset="0"/>
+                <a:cs typeface="Times New Roman" panose="02020603050405020304" pitchFamily="18" charset="0"/>
               </a:rPr>
               <a:t>Tesztelés</a:t>
             </a:r>
@@ -5516,11 +6246,101 @@
           <a:bodyPr/>
           <a:lstStyle/>
           <a:p>
-            <a:endParaRPr lang="hu-HU" dirty="0">
+            <a:r>
+              <a:rPr lang="hu-HU" dirty="0">
+                <a:solidFill>
+                  <a:schemeClr val="tx1"/>
+                </a:solidFill>
+                <a:latin typeface="Times New Roman" panose="02020603050405020304" pitchFamily="18" charset="0"/>
+                <a:cs typeface="Times New Roman" panose="02020603050405020304" pitchFamily="18" charset="0"/>
+              </a:rPr>
+              <a:t>Frontend tesztek környezete:</a:t>
+            </a:r>
+          </a:p>
+          <a:p>
+            <a:pPr lvl="1"/>
+            <a:r>
+              <a:rPr lang="hu-HU" i="0" dirty="0" err="1">
+                <a:solidFill>
+                  <a:schemeClr val="tx1"/>
+                </a:solidFill>
+                <a:latin typeface="Times New Roman" panose="02020603050405020304" pitchFamily="18" charset="0"/>
+                <a:cs typeface="Times New Roman" panose="02020603050405020304" pitchFamily="18" charset="0"/>
+              </a:rPr>
+              <a:t>Selenium</a:t>
+            </a:r>
+            <a:r>
+              <a:rPr lang="hu-HU" i="0" dirty="0">
+                <a:solidFill>
+                  <a:schemeClr val="tx1"/>
+                </a:solidFill>
+                <a:latin typeface="Times New Roman" panose="02020603050405020304" pitchFamily="18" charset="0"/>
+                <a:cs typeface="Times New Roman" panose="02020603050405020304" pitchFamily="18" charset="0"/>
+              </a:rPr>
+              <a:t> </a:t>
+            </a:r>
+            <a:r>
+              <a:rPr lang="hu-HU" i="0" dirty="0" err="1">
+                <a:solidFill>
+                  <a:schemeClr val="tx1"/>
+                </a:solidFill>
+                <a:latin typeface="Times New Roman" panose="02020603050405020304" pitchFamily="18" charset="0"/>
+                <a:cs typeface="Times New Roman" panose="02020603050405020304" pitchFamily="18" charset="0"/>
+              </a:rPr>
+              <a:t>Library</a:t>
+            </a:r>
+            <a:r>
+              <a:rPr lang="hu-HU" i="0" dirty="0">
+                <a:solidFill>
+                  <a:schemeClr val="tx1"/>
+                </a:solidFill>
+                <a:latin typeface="Times New Roman" panose="02020603050405020304" pitchFamily="18" charset="0"/>
+                <a:cs typeface="Times New Roman" panose="02020603050405020304" pitchFamily="18" charset="0"/>
+              </a:rPr>
+              <a:t> - </a:t>
+            </a:r>
+            <a:r>
+              <a:rPr lang="hu-HU" i="0" dirty="0" err="1">
+                <a:solidFill>
+                  <a:schemeClr val="tx1"/>
+                </a:solidFill>
+                <a:latin typeface="Times New Roman" panose="02020603050405020304" pitchFamily="18" charset="0"/>
+                <a:cs typeface="Times New Roman" panose="02020603050405020304" pitchFamily="18" charset="0"/>
+              </a:rPr>
+              <a:t>Robotframework</a:t>
+            </a:r>
+            <a:endParaRPr lang="hu-HU" i="0" dirty="0">
               <a:solidFill>
                 <a:schemeClr val="tx1"/>
               </a:solidFill>
+              <a:latin typeface="Times New Roman" panose="02020603050405020304" pitchFamily="18" charset="0"/>
+              <a:cs typeface="Times New Roman" panose="02020603050405020304" pitchFamily="18" charset="0"/>
             </a:endParaRPr>
+          </a:p>
+          <a:p>
+            <a:r>
+              <a:rPr lang="hu-HU" dirty="0">
+                <a:solidFill>
+                  <a:schemeClr val="tx1"/>
+                </a:solidFill>
+                <a:latin typeface="Times New Roman" panose="02020603050405020304" pitchFamily="18" charset="0"/>
+                <a:cs typeface="Times New Roman" panose="02020603050405020304" pitchFamily="18" charset="0"/>
+              </a:rPr>
+              <a:t>Backend tesztek környezete:</a:t>
+            </a:r>
+          </a:p>
+          <a:p>
+            <a:pPr lvl="1"/>
+            <a:r>
+              <a:rPr lang="hu-HU" i="0" dirty="0">
+                <a:solidFill>
+                  <a:schemeClr val="tx1"/>
+                </a:solidFill>
+                <a:latin typeface="Times New Roman" panose="02020603050405020304" pitchFamily="18" charset="0"/>
+                <a:cs typeface="Times New Roman" panose="02020603050405020304" pitchFamily="18" charset="0"/>
+              </a:rPr>
+              <a:t>Postman</a:t>
+            </a:r>
           </a:p>
         </p:txBody>
       </p:sp>
